--- a/source/pages/assets/images/source/DEQM Resource Diagram - VTE.pptx
+++ b/source/pages/assets/images/source/DEQM Resource Diagram - VTE.pptx
@@ -139,14 +139,6 @@
     </p:ext>
   </p:extLst>
 </p:presentation>
-</file>
-
-<file path=ppt/revisionInfo.xml><?xml version="1.0" encoding="utf-8"?>
-<p1510:revInfo xmlns:a="http://schemas.openxmlformats.org/drawingml/2006/main" xmlns:r="http://schemas.openxmlformats.org/officeDocument/2006/relationships" xmlns:p1510="http://schemas.microsoft.com/office/powerpoint/2015/10/main">
-  <p1510:revLst>
-    <p1510:client id="{FBE8AEE8-8215-834B-9AE6-5A78BB0D5C2F}" v="744" dt="2019-03-07T01:14:15.071"/>
-  </p1510:revLst>
-</p1510:revInfo>
 </file>
 
 <file path=ppt/notesMasters/notesMaster1.xml><?xml version="1.0" encoding="utf-8"?>
@@ -7256,7 +7248,7 @@
           <a:p>
             <a:pPr algn="l"/>
             <a:r>
-              <a:rPr lang="en-US" sz="2800"/>
+              <a:rPr lang="en-US" sz="2800" dirty="0"/>
               <a:t>Option 6</a:t>
             </a:r>
             <a:br>
@@ -9346,15 +9338,7 @@
             </a:pPr>
             <a:r>
               <a:rPr lang="en-US" sz="2800" dirty="0"/>
-              <a:t>When a patient has an inpatient encounter, during which they should be given VTE prophylaxis, but they are not given said prophylaxis, the patient’s record must document a reason the medication/device was not provided. This reason must be coded, and must come from either the “medical reason” or “patient refusal” value sets, as stated </a:t>
-            </a:r>
-            <a:r>
-              <a:rPr lang="en-US" sz="2800"/>
-              <a:t>in the measure logic. </a:t>
-            </a:r>
-            <a:r>
-              <a:rPr lang="en-US" sz="2800" dirty="0"/>
-              <a:t>If these criteria are met, the patient will have been found to satisfy the requirements of the measure.</a:t>
+              <a:t>When a patient has an inpatient encounter, during which they should be given VTE prophylaxis, but they are not given said prophylaxis, the patient’s record must document a reason the medication/device was not provided. This reason must be coded, and must come from either the “medical reason” or “patient refusal” value sets, as stated in the measure logic. If these criteria are met, the patient will have been found to satisfy the requirements of the measure.</a:t>
             </a:r>
           </a:p>
         </p:txBody>

--- a/source/pages/assets/images/source/DEQM Resource Diagram - VTE.pptx
+++ b/source/pages/assets/images/source/DEQM Resource Diagram - VTE.pptx
@@ -223,7 +223,7 @@
           <a:p>
             <a:fld id="{4E266053-7327-E248-83C1-2353FC77D2E7}" type="datetimeFigureOut">
               <a:rPr lang="en-US" smtClean="0"/>
-              <a:t>3/8/19</a:t>
+              <a:t>5/17/19</a:t>
             </a:fld>
             <a:endParaRPr lang="en-US"/>
           </a:p>
@@ -753,7 +753,7 @@
           <a:p>
             <a:fld id="{7D2F21E0-95B6-4C5C-A55D-C5056E4C25C4}" type="datetimeFigureOut">
               <a:rPr lang="en-US" smtClean="0"/>
-              <a:t>3/8/19</a:t>
+              <a:t>5/17/19</a:t>
             </a:fld>
             <a:endParaRPr lang="en-US"/>
           </a:p>
@@ -921,7 +921,7 @@
           <a:p>
             <a:fld id="{7D2F21E0-95B6-4C5C-A55D-C5056E4C25C4}" type="datetimeFigureOut">
               <a:rPr lang="en-US" smtClean="0"/>
-              <a:t>3/8/19</a:t>
+              <a:t>5/17/19</a:t>
             </a:fld>
             <a:endParaRPr lang="en-US"/>
           </a:p>
@@ -1099,7 +1099,7 @@
           <a:p>
             <a:fld id="{7D2F21E0-95B6-4C5C-A55D-C5056E4C25C4}" type="datetimeFigureOut">
               <a:rPr lang="en-US" smtClean="0"/>
-              <a:t>3/8/19</a:t>
+              <a:t>5/17/19</a:t>
             </a:fld>
             <a:endParaRPr lang="en-US"/>
           </a:p>
@@ -1267,7 +1267,7 @@
           <a:p>
             <a:fld id="{7D2F21E0-95B6-4C5C-A55D-C5056E4C25C4}" type="datetimeFigureOut">
               <a:rPr lang="en-US" smtClean="0"/>
-              <a:t>3/8/19</a:t>
+              <a:t>5/17/19</a:t>
             </a:fld>
             <a:endParaRPr lang="en-US"/>
           </a:p>
@@ -1512,7 +1512,7 @@
           <a:p>
             <a:fld id="{7D2F21E0-95B6-4C5C-A55D-C5056E4C25C4}" type="datetimeFigureOut">
               <a:rPr lang="en-US" smtClean="0"/>
-              <a:t>3/8/19</a:t>
+              <a:t>5/17/19</a:t>
             </a:fld>
             <a:endParaRPr lang="en-US"/>
           </a:p>
@@ -1797,7 +1797,7 @@
           <a:p>
             <a:fld id="{7D2F21E0-95B6-4C5C-A55D-C5056E4C25C4}" type="datetimeFigureOut">
               <a:rPr lang="en-US" smtClean="0"/>
-              <a:t>3/8/19</a:t>
+              <a:t>5/17/19</a:t>
             </a:fld>
             <a:endParaRPr lang="en-US"/>
           </a:p>
@@ -2216,7 +2216,7 @@
           <a:p>
             <a:fld id="{7D2F21E0-95B6-4C5C-A55D-C5056E4C25C4}" type="datetimeFigureOut">
               <a:rPr lang="en-US" smtClean="0"/>
-              <a:t>3/8/19</a:t>
+              <a:t>5/17/19</a:t>
             </a:fld>
             <a:endParaRPr lang="en-US"/>
           </a:p>
@@ -2333,7 +2333,7 @@
           <a:p>
             <a:fld id="{7D2F21E0-95B6-4C5C-A55D-C5056E4C25C4}" type="datetimeFigureOut">
               <a:rPr lang="en-US" smtClean="0"/>
-              <a:t>3/8/19</a:t>
+              <a:t>5/17/19</a:t>
             </a:fld>
             <a:endParaRPr lang="en-US"/>
           </a:p>
@@ -2428,7 +2428,7 @@
           <a:p>
             <a:fld id="{7D2F21E0-95B6-4C5C-A55D-C5056E4C25C4}" type="datetimeFigureOut">
               <a:rPr lang="en-US" smtClean="0"/>
-              <a:t>3/8/19</a:t>
+              <a:t>5/17/19</a:t>
             </a:fld>
             <a:endParaRPr lang="en-US"/>
           </a:p>
@@ -2703,7 +2703,7 @@
           <a:p>
             <a:fld id="{7D2F21E0-95B6-4C5C-A55D-C5056E4C25C4}" type="datetimeFigureOut">
               <a:rPr lang="en-US" smtClean="0"/>
-              <a:t>3/8/19</a:t>
+              <a:t>5/17/19</a:t>
             </a:fld>
             <a:endParaRPr lang="en-US"/>
           </a:p>
@@ -2955,7 +2955,7 @@
           <a:p>
             <a:fld id="{7D2F21E0-95B6-4C5C-A55D-C5056E4C25C4}" type="datetimeFigureOut">
               <a:rPr lang="en-US" smtClean="0"/>
-              <a:t>3/8/19</a:t>
+              <a:t>5/17/19</a:t>
             </a:fld>
             <a:endParaRPr lang="en-US"/>
           </a:p>
@@ -3166,7 +3166,7 @@
           <a:p>
             <a:fld id="{7D2F21E0-95B6-4C5C-A55D-C5056E4C25C4}" type="datetimeFigureOut">
               <a:rPr lang="en-US" smtClean="0"/>
-              <a:t>3/8/19</a:t>
+              <a:t>5/17/19</a:t>
             </a:fld>
             <a:endParaRPr lang="en-US"/>
           </a:p>
@@ -3629,9 +3629,8 @@
           </a:bodyPr>
           <a:lstStyle/>
           <a:p>
-            <a:pPr algn="l"/>
-            <a:r>
-              <a:rPr lang="en-US" dirty="0"/>
+            <a:r>
+              <a:rPr lang="en-US" sz="2800" dirty="0"/>
               <a:t>MeasureReport using Encounter</a:t>
             </a:r>
           </a:p>
@@ -5260,10 +5259,9 @@
           </a:bodyPr>
           <a:lstStyle/>
           <a:p>
-            <a:pPr algn="l"/>
             <a:r>
               <a:rPr lang="en-US" sz="3200" dirty="0"/>
-              <a:t>MeasureReport using Encounter w/Diagnosis</a:t>
+              <a:t>MeasureReport using Encounter with Principle Diagnosis</a:t>
             </a:r>
           </a:p>
         </p:txBody>
@@ -7356,7 +7354,15 @@
             <a:pPr algn="l"/>
             <a:r>
               <a:rPr lang="en-US" sz="2800" dirty="0"/>
-              <a:t>MeasureReport using Procedure/request and Encounter</a:t>
+              <a:t>MeasureReport using Procedure/</a:t>
+            </a:r>
+            <a:r>
+              <a:rPr lang="en-US" sz="2800" dirty="0" err="1"/>
+              <a:t>ProcedureRequest</a:t>
+            </a:r>
+            <a:r>
+              <a:rPr lang="en-US" sz="2800" dirty="0"/>
+              <a:t> and Encounter</a:t>
             </a:r>
           </a:p>
         </p:txBody>
@@ -9391,18 +9397,41 @@
         </p:spPr>
         <p:txBody>
           <a:bodyPr>
-            <a:normAutofit/>
+            <a:normAutofit fontScale="90000"/>
           </a:bodyPr>
           <a:lstStyle/>
           <a:p>
-            <a:pPr algn="l"/>
             <a:r>
               <a:rPr lang="en-US" sz="2800" dirty="0"/>
-              <a:t>MeasureReport using Medication/Device request or use </a:t>
+              <a:t>MeasureReport using </a:t>
             </a:r>
             <a:r>
               <a:rPr lang="en-US" sz="2800" dirty="0" err="1"/>
-              <a:t>statment</a:t>
+              <a:t>MedicationRequest</a:t>
+            </a:r>
+            <a:r>
+              <a:rPr lang="en-US" sz="2800" dirty="0"/>
+              <a:t>, </a:t>
+            </a:r>
+            <a:r>
+              <a:rPr lang="en-US" sz="2800" dirty="0" err="1"/>
+              <a:t>MedicationStatement</a:t>
+            </a:r>
+            <a:r>
+              <a:rPr lang="en-US" sz="2800" dirty="0"/>
+              <a:t>, </a:t>
+            </a:r>
+            <a:r>
+              <a:rPr lang="en-US" sz="2800" dirty="0" err="1"/>
+              <a:t>DeviceRequest</a:t>
+            </a:r>
+            <a:r>
+              <a:rPr lang="en-US" sz="2800" dirty="0"/>
+              <a:t> or </a:t>
+            </a:r>
+            <a:r>
+              <a:rPr lang="en-US" sz="2800" dirty="0" err="1"/>
+              <a:t>DeviceUseStatement</a:t>
             </a:r>
             <a:endParaRPr lang="en-US" sz="2800" dirty="0"/>
           </a:p>
@@ -14802,7 +14831,6 @@
           </a:bodyPr>
           <a:lstStyle/>
           <a:p>
-            <a:pPr algn="l"/>
             <a:r>
               <a:rPr lang="en-US" sz="2800" dirty="0"/>
               <a:t>MeasureReport using </a:t>
@@ -14813,7 +14841,7 @@
             </a:r>
             <a:r>
               <a:rPr lang="en-US" sz="2800" dirty="0"/>
-              <a:t>/Encounter</a:t>
+              <a:t> and Encounter</a:t>
             </a:r>
           </a:p>
         </p:txBody>
@@ -17290,9 +17318,8 @@
           </a:bodyPr>
           <a:lstStyle/>
           <a:p>
-            <a:pPr algn="l"/>
-            <a:r>
-              <a:rPr lang="en-US" dirty="0"/>
+            <a:r>
+              <a:rPr lang="en-US" sz="2800" dirty="0"/>
               <a:t>MeasureReport using Observation</a:t>
             </a:r>
           </a:p>
@@ -19619,15 +19646,6 @@
 </file>
 
 <file path=customXml/item1.xml><?xml version="1.0" encoding="utf-8"?>
-<?mso-contentType ?>
-<FormTemplates xmlns="http://schemas.microsoft.com/sharepoint/v3/contenttype/forms">
-  <Display>DocumentLibraryForm</Display>
-  <Edit>DocumentLibraryForm</Edit>
-  <New>DocumentLibraryForm</New>
-</FormTemplates>
-</file>
-
-<file path=customXml/item2.xml><?xml version="1.0" encoding="utf-8"?>
 <ct:contentTypeSchema xmlns:ct="http://schemas.microsoft.com/office/2006/metadata/contentType" xmlns:ma="http://schemas.microsoft.com/office/2006/metadata/properties/metaAttributes" ct:_="" ma:_="" ma:contentTypeName="Document" ma:contentTypeID="0x010100E266619F3A8DA84E844CC332E58F8D49" ma:contentTypeVersion="7" ma:contentTypeDescription="Create a new document." ma:contentTypeScope="" ma:versionID="5d8a838ea32704de551bbf800a2359a5">
   <xsd:schema xmlns:xsd="http://www.w3.org/2001/XMLSchema" xmlns:xs="http://www.w3.org/2001/XMLSchema" xmlns:p="http://schemas.microsoft.com/office/2006/metadata/properties" xmlns:ns2="86583c5b-2812-43c9-9d95-43036731b97a" xmlns:ns3="a55e4437-922f-4c3b-a618-0f40b608b01d" targetNamespace="http://schemas.microsoft.com/office/2006/metadata/properties" ma:root="true" ma:fieldsID="403b19a14513e6057a21c0d89da04aa3" ns2:_="" ns3:_="">
     <xsd:import namespace="86583c5b-2812-43c9-9d95-43036731b97a"/>
@@ -19812,6 +19830,15 @@
 </ct:contentTypeSchema>
 </file>
 
+<file path=customXml/item2.xml><?xml version="1.0" encoding="utf-8"?>
+<?mso-contentType ?>
+<FormTemplates xmlns="http://schemas.microsoft.com/sharepoint/v3/contenttype/forms">
+  <Display>DocumentLibraryForm</Display>
+  <Edit>DocumentLibraryForm</Edit>
+  <New>DocumentLibraryForm</New>
+</FormTemplates>
+</file>
+
 <file path=customXml/item3.xml><?xml version="1.0" encoding="utf-8"?>
 <p:properties xmlns:p="http://schemas.microsoft.com/office/2006/metadata/properties" xmlns:xsi="http://www.w3.org/2001/XMLSchema-instance" xmlns:pc="http://schemas.microsoft.com/office/infopath/2007/PartnerControls">
   <documentManagement/>
@@ -19819,14 +19846,6 @@
 </file>
 
 <file path=customXml/itemProps1.xml><?xml version="1.0" encoding="utf-8"?>
-<ds:datastoreItem xmlns:ds="http://schemas.openxmlformats.org/officeDocument/2006/customXml" ds:itemID="{7DF32799-2A9E-4894-A7BE-4A93586F7B79}">
-  <ds:schemaRefs>
-    <ds:schemaRef ds:uri="http://schemas.microsoft.com/sharepoint/v3/contenttype/forms"/>
-  </ds:schemaRefs>
-</ds:datastoreItem>
-</file>
-
-<file path=customXml/itemProps2.xml><?xml version="1.0" encoding="utf-8"?>
 <ds:datastoreItem xmlns:ds="http://schemas.openxmlformats.org/officeDocument/2006/customXml" ds:itemID="{57D1FF20-1285-4672-9577-89C47B976660}">
   <ds:schemaRefs>
     <ds:schemaRef ds:uri="http://schemas.microsoft.com/office/2006/metadata/contentType"/>
@@ -19841,6 +19860,14 @@
     <ds:schemaRef ds:uri="http://purl.org/dc/elements/1.1/"/>
     <ds:schemaRef ds:uri="http://purl.org/dc/terms/"/>
     <ds:schemaRef ds:uri="http://schemas.microsoft.com/internal/obd"/>
+  </ds:schemaRefs>
+</ds:datastoreItem>
+</file>
+
+<file path=customXml/itemProps2.xml><?xml version="1.0" encoding="utf-8"?>
+<ds:datastoreItem xmlns:ds="http://schemas.openxmlformats.org/officeDocument/2006/customXml" ds:itemID="{7DF32799-2A9E-4894-A7BE-4A93586F7B79}">
+  <ds:schemaRefs>
+    <ds:schemaRef ds:uri="http://schemas.microsoft.com/sharepoint/v3/contenttype/forms"/>
   </ds:schemaRefs>
 </ds:datastoreItem>
 </file>

--- a/source/pages/assets/images/source/DEQM Resource Diagram - VTE.pptx
+++ b/source/pages/assets/images/source/DEQM Resource Diagram - VTE.pptx
@@ -223,7 +223,7 @@
           <a:p>
             <a:fld id="{4E266053-7327-E248-83C1-2353FC77D2E7}" type="datetimeFigureOut">
               <a:rPr lang="en-US" smtClean="0"/>
-              <a:t>5/17/19</a:t>
+              <a:t>5/19/19</a:t>
             </a:fld>
             <a:endParaRPr lang="en-US"/>
           </a:p>
@@ -753,7 +753,7 @@
           <a:p>
             <a:fld id="{7D2F21E0-95B6-4C5C-A55D-C5056E4C25C4}" type="datetimeFigureOut">
               <a:rPr lang="en-US" smtClean="0"/>
-              <a:t>5/17/19</a:t>
+              <a:t>5/19/19</a:t>
             </a:fld>
             <a:endParaRPr lang="en-US"/>
           </a:p>
@@ -921,7 +921,7 @@
           <a:p>
             <a:fld id="{7D2F21E0-95B6-4C5C-A55D-C5056E4C25C4}" type="datetimeFigureOut">
               <a:rPr lang="en-US" smtClean="0"/>
-              <a:t>5/17/19</a:t>
+              <a:t>5/19/19</a:t>
             </a:fld>
             <a:endParaRPr lang="en-US"/>
           </a:p>
@@ -1099,7 +1099,7 @@
           <a:p>
             <a:fld id="{7D2F21E0-95B6-4C5C-A55D-C5056E4C25C4}" type="datetimeFigureOut">
               <a:rPr lang="en-US" smtClean="0"/>
-              <a:t>5/17/19</a:t>
+              <a:t>5/19/19</a:t>
             </a:fld>
             <a:endParaRPr lang="en-US"/>
           </a:p>
@@ -1267,7 +1267,7 @@
           <a:p>
             <a:fld id="{7D2F21E0-95B6-4C5C-A55D-C5056E4C25C4}" type="datetimeFigureOut">
               <a:rPr lang="en-US" smtClean="0"/>
-              <a:t>5/17/19</a:t>
+              <a:t>5/19/19</a:t>
             </a:fld>
             <a:endParaRPr lang="en-US"/>
           </a:p>
@@ -1512,7 +1512,7 @@
           <a:p>
             <a:fld id="{7D2F21E0-95B6-4C5C-A55D-C5056E4C25C4}" type="datetimeFigureOut">
               <a:rPr lang="en-US" smtClean="0"/>
-              <a:t>5/17/19</a:t>
+              <a:t>5/19/19</a:t>
             </a:fld>
             <a:endParaRPr lang="en-US"/>
           </a:p>
@@ -1797,7 +1797,7 @@
           <a:p>
             <a:fld id="{7D2F21E0-95B6-4C5C-A55D-C5056E4C25C4}" type="datetimeFigureOut">
               <a:rPr lang="en-US" smtClean="0"/>
-              <a:t>5/17/19</a:t>
+              <a:t>5/19/19</a:t>
             </a:fld>
             <a:endParaRPr lang="en-US"/>
           </a:p>
@@ -2216,7 +2216,7 @@
           <a:p>
             <a:fld id="{7D2F21E0-95B6-4C5C-A55D-C5056E4C25C4}" type="datetimeFigureOut">
               <a:rPr lang="en-US" smtClean="0"/>
-              <a:t>5/17/19</a:t>
+              <a:t>5/19/19</a:t>
             </a:fld>
             <a:endParaRPr lang="en-US"/>
           </a:p>
@@ -2333,7 +2333,7 @@
           <a:p>
             <a:fld id="{7D2F21E0-95B6-4C5C-A55D-C5056E4C25C4}" type="datetimeFigureOut">
               <a:rPr lang="en-US" smtClean="0"/>
-              <a:t>5/17/19</a:t>
+              <a:t>5/19/19</a:t>
             </a:fld>
             <a:endParaRPr lang="en-US"/>
           </a:p>
@@ -2428,7 +2428,7 @@
           <a:p>
             <a:fld id="{7D2F21E0-95B6-4C5C-A55D-C5056E4C25C4}" type="datetimeFigureOut">
               <a:rPr lang="en-US" smtClean="0"/>
-              <a:t>5/17/19</a:t>
+              <a:t>5/19/19</a:t>
             </a:fld>
             <a:endParaRPr lang="en-US"/>
           </a:p>
@@ -2703,7 +2703,7 @@
           <a:p>
             <a:fld id="{7D2F21E0-95B6-4C5C-A55D-C5056E4C25C4}" type="datetimeFigureOut">
               <a:rPr lang="en-US" smtClean="0"/>
-              <a:t>5/17/19</a:t>
+              <a:t>5/19/19</a:t>
             </a:fld>
             <a:endParaRPr lang="en-US"/>
           </a:p>
@@ -2955,7 +2955,7 @@
           <a:p>
             <a:fld id="{7D2F21E0-95B6-4C5C-A55D-C5056E4C25C4}" type="datetimeFigureOut">
               <a:rPr lang="en-US" smtClean="0"/>
-              <a:t>5/17/19</a:t>
+              <a:t>5/19/19</a:t>
             </a:fld>
             <a:endParaRPr lang="en-US"/>
           </a:p>
@@ -3166,7 +3166,7 @@
           <a:p>
             <a:fld id="{7D2F21E0-95B6-4C5C-A55D-C5056E4C25C4}" type="datetimeFigureOut">
               <a:rPr lang="en-US" smtClean="0"/>
-              <a:t>5/17/19</a:t>
+              <a:t>5/19/19</a:t>
             </a:fld>
             <a:endParaRPr lang="en-US"/>
           </a:p>
@@ -4152,35 +4152,6 @@
       </p:sp>
       <p:sp>
         <p:nvSpPr>
-          <p:cNvPr id="41" name="TextBox 40"/>
-          <p:cNvSpPr txBox="1"/>
-          <p:nvPr/>
-        </p:nvSpPr>
-        <p:spPr>
-          <a:xfrm>
-            <a:off x="190500" y="6441697"/>
-            <a:ext cx="4991100" cy="369332"/>
-          </a:xfrm>
-          <a:prstGeom prst="rect">
-            <a:avLst/>
-          </a:prstGeom>
-          <a:noFill/>
-        </p:spPr>
-        <p:txBody>
-          <a:bodyPr wrap="square" rtlCol="0">
-            <a:spAutoFit/>
-          </a:bodyPr>
-          <a:lstStyle/>
-          <a:p>
-            <a:r>
-              <a:rPr lang="en-US" dirty="0"/>
-              <a:t>Used for “ICU stay at least 1 day”</a:t>
-            </a:r>
-          </a:p>
-        </p:txBody>
-      </p:sp>
-      <p:sp>
-        <p:nvSpPr>
           <p:cNvPr id="21" name="Flowchart: Alternate Process 20"/>
           <p:cNvSpPr/>
           <p:nvPr/>
@@ -5782,35 +5753,6 @@
       </p:sp>
       <p:sp>
         <p:nvSpPr>
-          <p:cNvPr id="41" name="TextBox 40"/>
-          <p:cNvSpPr txBox="1"/>
-          <p:nvPr/>
-        </p:nvSpPr>
-        <p:spPr>
-          <a:xfrm>
-            <a:off x="190500" y="6441697"/>
-            <a:ext cx="6667500" cy="369332"/>
-          </a:xfrm>
-          <a:prstGeom prst="rect">
-            <a:avLst/>
-          </a:prstGeom>
-          <a:noFill/>
-        </p:spPr>
-        <p:txBody>
-          <a:bodyPr wrap="square" rtlCol="0">
-            <a:spAutoFit/>
-          </a:bodyPr>
-          <a:lstStyle/>
-          <a:p>
-            <a:r>
-              <a:rPr lang="en-US" dirty="0"/>
-              <a:t>Used for “Encounter with mental health or stroke principal diagnosis”</a:t>
-            </a:r>
-          </a:p>
-        </p:txBody>
-      </p:sp>
-      <p:sp>
-        <p:nvSpPr>
           <p:cNvPr id="21" name="Flowchart: Alternate Process 20"/>
           <p:cNvSpPr/>
           <p:nvPr/>
@@ -7849,35 +7791,6 @@
             <a:r>
               <a:rPr lang="en-US" sz="1100" b="1" dirty="0"/>
               <a:t>patient</a:t>
-            </a:r>
-          </a:p>
-        </p:txBody>
-      </p:sp>
-      <p:sp>
-        <p:nvSpPr>
-          <p:cNvPr id="41" name="TextBox 40"/>
-          <p:cNvSpPr txBox="1"/>
-          <p:nvPr/>
-        </p:nvSpPr>
-        <p:spPr>
-          <a:xfrm>
-            <a:off x="190500" y="6441697"/>
-            <a:ext cx="8877300" cy="369332"/>
-          </a:xfrm>
-          <a:prstGeom prst="rect">
-            <a:avLst/>
-          </a:prstGeom>
-          <a:noFill/>
-        </p:spPr>
-        <p:txBody>
-          <a:bodyPr wrap="square" rtlCol="0">
-            <a:spAutoFit/>
-          </a:bodyPr>
-          <a:lstStyle/>
-          <a:p>
-            <a:r>
-              <a:rPr lang="en-US" dirty="0"/>
-              <a:t>Used for “Intervention Comfort Measures”, and “Principal Procedure of SCIP VTE Surgery”</a:t>
             </a:r>
           </a:p>
         </p:txBody>
@@ -12369,43 +12282,6 @@
           </a:fontRef>
         </p:style>
       </p:cxnSp>
-      <p:sp>
-        <p:nvSpPr>
-          <p:cNvPr id="41" name="TextBox 40"/>
-          <p:cNvSpPr txBox="1"/>
-          <p:nvPr/>
-        </p:nvSpPr>
-        <p:spPr>
-          <a:xfrm>
-            <a:off x="116716" y="6492173"/>
-            <a:ext cx="8646284" cy="369332"/>
-          </a:xfrm>
-          <a:prstGeom prst="rect">
-            <a:avLst/>
-          </a:prstGeom>
-          <a:noFill/>
-        </p:spPr>
-        <p:txBody>
-          <a:bodyPr wrap="square" rtlCol="0">
-            <a:spAutoFit/>
-          </a:bodyPr>
-          <a:lstStyle/>
-          <a:p>
-            <a:r>
-              <a:rPr lang="en-US" dirty="0"/>
-              <a:t>Used for “Oral factor </a:t>
-            </a:r>
-            <a:r>
-              <a:rPr lang="en-US" dirty="0" err="1"/>
-              <a:t>Xa</a:t>
-            </a:r>
-            <a:r>
-              <a:rPr lang="en-US" dirty="0"/>
-              <a:t> intersect with diagnosis of VTE or joint replacement Procedure”</a:t>
-            </a:r>
-          </a:p>
-        </p:txBody>
-      </p:sp>
       <p:sp>
         <p:nvSpPr>
           <p:cNvPr id="21" name="Flowchart: Alternate Process 20"/>
@@ -15373,35 +15249,6 @@
           </a:fontRef>
         </p:style>
       </p:cxnSp>
-      <p:sp>
-        <p:nvSpPr>
-          <p:cNvPr id="41" name="TextBox 40"/>
-          <p:cNvSpPr txBox="1"/>
-          <p:nvPr/>
-        </p:nvSpPr>
-        <p:spPr>
-          <a:xfrm>
-            <a:off x="116716" y="6492173"/>
-            <a:ext cx="4795768" cy="369332"/>
-          </a:xfrm>
-          <a:prstGeom prst="rect">
-            <a:avLst/>
-          </a:prstGeom>
-          <a:noFill/>
-        </p:spPr>
-        <p:txBody>
-          <a:bodyPr wrap="square" rtlCol="0">
-            <a:spAutoFit/>
-          </a:bodyPr>
-          <a:lstStyle/>
-          <a:p>
-            <a:r>
-              <a:rPr lang="en-US" dirty="0"/>
-              <a:t>Used for “VTE Prophylaxis received”</a:t>
-            </a:r>
-          </a:p>
-        </p:txBody>
-      </p:sp>
       <p:cxnSp>
         <p:nvCxnSpPr>
           <p:cNvPr id="9" name="Straight Arrow Connector 8"/>
@@ -17958,35 +17805,6 @@
             <a:r>
               <a:rPr lang="en-US" sz="1100" b="1" dirty="0"/>
               <a:t>subject</a:t>
-            </a:r>
-          </a:p>
-        </p:txBody>
-      </p:sp>
-      <p:sp>
-        <p:nvSpPr>
-          <p:cNvPr id="41" name="TextBox 40"/>
-          <p:cNvSpPr txBox="1"/>
-          <p:nvPr/>
-        </p:nvSpPr>
-        <p:spPr>
-          <a:xfrm>
-            <a:off x="190500" y="6441697"/>
-            <a:ext cx="4991100" cy="369332"/>
-          </a:xfrm>
-          <a:prstGeom prst="rect">
-            <a:avLst/>
-          </a:prstGeom>
-          <a:noFill/>
-        </p:spPr>
-        <p:txBody>
-          <a:bodyPr wrap="square" rtlCol="0">
-            <a:spAutoFit/>
-          </a:bodyPr>
-          <a:lstStyle/>
-          <a:p>
-            <a:r>
-              <a:rPr lang="en-US" dirty="0"/>
-              <a:t>Used for “low risk for VTE” Assessment/Lab test</a:t>
             </a:r>
           </a:p>
         </p:txBody>
@@ -19646,6 +19464,21 @@
 </file>
 
 <file path=customXml/item1.xml><?xml version="1.0" encoding="utf-8"?>
+<p:properties xmlns:p="http://schemas.microsoft.com/office/2006/metadata/properties" xmlns:xsi="http://www.w3.org/2001/XMLSchema-instance" xmlns:pc="http://schemas.microsoft.com/office/infopath/2007/PartnerControls">
+  <documentManagement/>
+</p:properties>
+</file>
+
+<file path=customXml/item2.xml><?xml version="1.0" encoding="utf-8"?>
+<?mso-contentType ?>
+<FormTemplates xmlns="http://schemas.microsoft.com/sharepoint/v3/contenttype/forms">
+  <Display>DocumentLibraryForm</Display>
+  <Edit>DocumentLibraryForm</Edit>
+  <New>DocumentLibraryForm</New>
+</FormTemplates>
+</file>
+
+<file path=customXml/item3.xml><?xml version="1.0" encoding="utf-8"?>
 <ct:contentTypeSchema xmlns:ct="http://schemas.microsoft.com/office/2006/metadata/contentType" xmlns:ma="http://schemas.microsoft.com/office/2006/metadata/properties/metaAttributes" ct:_="" ma:_="" ma:contentTypeName="Document" ma:contentTypeID="0x010100E266619F3A8DA84E844CC332E58F8D49" ma:contentTypeVersion="7" ma:contentTypeDescription="Create a new document." ma:contentTypeScope="" ma:versionID="5d8a838ea32704de551bbf800a2359a5">
   <xsd:schema xmlns:xsd="http://www.w3.org/2001/XMLSchema" xmlns:xs="http://www.w3.org/2001/XMLSchema" xmlns:p="http://schemas.microsoft.com/office/2006/metadata/properties" xmlns:ns2="86583c5b-2812-43c9-9d95-43036731b97a" xmlns:ns3="a55e4437-922f-4c3b-a618-0f40b608b01d" targetNamespace="http://schemas.microsoft.com/office/2006/metadata/properties" ma:root="true" ma:fieldsID="403b19a14513e6057a21c0d89da04aa3" ns2:_="" ns3:_="">
     <xsd:import namespace="86583c5b-2812-43c9-9d95-43036731b97a"/>
@@ -19830,22 +19663,32 @@
 </ct:contentTypeSchema>
 </file>
 
-<file path=customXml/item2.xml><?xml version="1.0" encoding="utf-8"?>
-<?mso-contentType ?>
-<FormTemplates xmlns="http://schemas.microsoft.com/sharepoint/v3/contenttype/forms">
-  <Display>DocumentLibraryForm</Display>
-  <Edit>DocumentLibraryForm</Edit>
-  <New>DocumentLibraryForm</New>
-</FormTemplates>
+<file path=customXml/itemProps1.xml><?xml version="1.0" encoding="utf-8"?>
+<ds:datastoreItem xmlns:ds="http://schemas.openxmlformats.org/officeDocument/2006/customXml" ds:itemID="{90FDF430-C97A-4E13-9166-89CD4AE896F8}">
+  <ds:schemaRefs>
+    <ds:schemaRef ds:uri="http://schemas.microsoft.com/office/2006/documentManagement/types"/>
+    <ds:schemaRef ds:uri="http://purl.org/dc/elements/1.1/"/>
+    <ds:schemaRef ds:uri="http://schemas.openxmlformats.org/package/2006/metadata/core-properties"/>
+    <ds:schemaRef ds:uri="http://purl.org/dc/terms/"/>
+    <ds:schemaRef ds:uri="http://purl.org/dc/dcmitype/"/>
+    <ds:schemaRef ds:uri="86583c5b-2812-43c9-9d95-43036731b97a"/>
+    <ds:schemaRef ds:uri="a55e4437-922f-4c3b-a618-0f40b608b01d"/>
+    <ds:schemaRef ds:uri="http://schemas.microsoft.com/office/infopath/2007/PartnerControls"/>
+    <ds:schemaRef ds:uri="http://schemas.microsoft.com/office/2006/metadata/properties"/>
+    <ds:schemaRef ds:uri="http://www.w3.org/XML/1998/namespace"/>
+  </ds:schemaRefs>
+</ds:datastoreItem>
 </file>
 
-<file path=customXml/item3.xml><?xml version="1.0" encoding="utf-8"?>
-<p:properties xmlns:p="http://schemas.microsoft.com/office/2006/metadata/properties" xmlns:xsi="http://www.w3.org/2001/XMLSchema-instance" xmlns:pc="http://schemas.microsoft.com/office/infopath/2007/PartnerControls">
-  <documentManagement/>
-</p:properties>
+<file path=customXml/itemProps2.xml><?xml version="1.0" encoding="utf-8"?>
+<ds:datastoreItem xmlns:ds="http://schemas.openxmlformats.org/officeDocument/2006/customXml" ds:itemID="{7DF32799-2A9E-4894-A7BE-4A93586F7B79}">
+  <ds:schemaRefs>
+    <ds:schemaRef ds:uri="http://schemas.microsoft.com/sharepoint/v3/contenttype/forms"/>
+  </ds:schemaRefs>
+</ds:datastoreItem>
 </file>
 
-<file path=customXml/itemProps1.xml><?xml version="1.0" encoding="utf-8"?>
+<file path=customXml/itemProps3.xml><?xml version="1.0" encoding="utf-8"?>
 <ds:datastoreItem xmlns:ds="http://schemas.openxmlformats.org/officeDocument/2006/customXml" ds:itemID="{57D1FF20-1285-4672-9577-89C47B976660}">
   <ds:schemaRefs>
     <ds:schemaRef ds:uri="http://schemas.microsoft.com/office/2006/metadata/contentType"/>
@@ -19862,29 +19705,4 @@
     <ds:schemaRef ds:uri="http://schemas.microsoft.com/internal/obd"/>
   </ds:schemaRefs>
 </ds:datastoreItem>
-</file>
-
-<file path=customXml/itemProps2.xml><?xml version="1.0" encoding="utf-8"?>
-<ds:datastoreItem xmlns:ds="http://schemas.openxmlformats.org/officeDocument/2006/customXml" ds:itemID="{7DF32799-2A9E-4894-A7BE-4A93586F7B79}">
-  <ds:schemaRefs>
-    <ds:schemaRef ds:uri="http://schemas.microsoft.com/sharepoint/v3/contenttype/forms"/>
-  </ds:schemaRefs>
-</ds:datastoreItem>
-</file>
-
-<file path=customXml/itemProps3.xml><?xml version="1.0" encoding="utf-8"?>
-<ds:datastoreItem xmlns:ds="http://schemas.openxmlformats.org/officeDocument/2006/customXml" ds:itemID="{90FDF430-C97A-4E13-9166-89CD4AE896F8}">
-  <ds:schemaRefs>
-    <ds:schemaRef ds:uri="http://schemas.microsoft.com/office/2006/documentManagement/types"/>
-    <ds:schemaRef ds:uri="http://purl.org/dc/elements/1.1/"/>
-    <ds:schemaRef ds:uri="http://schemas.openxmlformats.org/package/2006/metadata/core-properties"/>
-    <ds:schemaRef ds:uri="http://purl.org/dc/terms/"/>
-    <ds:schemaRef ds:uri="http://purl.org/dc/dcmitype/"/>
-    <ds:schemaRef ds:uri="86583c5b-2812-43c9-9d95-43036731b97a"/>
-    <ds:schemaRef ds:uri="a55e4437-922f-4c3b-a618-0f40b608b01d"/>
-    <ds:schemaRef ds:uri="http://schemas.microsoft.com/office/infopath/2007/PartnerControls"/>
-    <ds:schemaRef ds:uri="http://schemas.microsoft.com/office/2006/metadata/properties"/>
-    <ds:schemaRef ds:uri="http://www.w3.org/XML/1998/namespace"/>
-  </ds:schemaRefs>
-</ds:datastoreItem>
 </file>